--- a/Wednesday-morning/TutorialsCUDA/ProgrammingHandsOn.pptx
+++ b/Wednesday-morning/TutorialsCUDA/ProgrammingHandsOn.pptx
@@ -27766,8 +27766,8 @@
         </p:nvSpPr>
         <p:spPr bwMode="auto">
           <a:xfrm>
-            <a:off x="875719" y="787305"/>
-            <a:ext cx="10872935" cy="495155"/>
+            <a:off x="875720" y="787305"/>
+            <a:ext cx="5749670" cy="495155"/>
           </a:xfrm>
           <a:prstGeom prst="rect">
             <a:avLst/>
@@ -27859,7 +27859,7 @@
         <p:spPr>
           <a:xfrm>
             <a:off x="1320800" y="1539900"/>
-            <a:ext cx="9696885" cy="5355312"/>
+            <a:ext cx="9696885" cy="5078313"/>
           </a:xfrm>
           <a:prstGeom prst="rect">
             <a:avLst/>
@@ -28115,12 +28115,6 @@
               </a:rPr>
               <a:t>}</a:t>
             </a:r>
-          </a:p>
-          <a:p>
-            <a:endParaRPr lang="en-US" b="1" dirty="0">
-              <a:latin typeface="Courier New" panose="02070309020205020404" pitchFamily="49" charset="0"/>
-              <a:cs typeface="Courier New" panose="02070309020205020404" pitchFamily="49" charset="0"/>
-            </a:endParaRPr>
           </a:p>
         </p:txBody>
       </p:sp>
